--- a/JavaScriptRefresh.pptx
+++ b/JavaScriptRefresh.pptx
@@ -5,14 +5,13 @@
     <p:sldMasterId id="2147483672" r:id="rId1"/>
   </p:sldMasterIdLst>
   <p:notesMasterIdLst>
-    <p:notesMasterId r:id="rId7"/>
+    <p:notesMasterId r:id="rId6"/>
   </p:notesMasterIdLst>
   <p:sldIdLst>
-    <p:sldId id="256" r:id="rId2"/>
-    <p:sldId id="257" r:id="rId3"/>
-    <p:sldId id="258" r:id="rId4"/>
-    <p:sldId id="259" r:id="rId5"/>
-    <p:sldId id="260" r:id="rId6"/>
+    <p:sldId id="257" r:id="rId2"/>
+    <p:sldId id="258" r:id="rId3"/>
+    <p:sldId id="259" r:id="rId4"/>
+    <p:sldId id="260" r:id="rId5"/>
   </p:sldIdLst>
   <p:sldSz cx="9144000" cy="5143500" type="screen16x9"/>
   <p:notesSz cx="6858000" cy="9144000"/>
@@ -201,7 +200,7 @@
           <a:p>
             <a:fld id="{B634D75E-7CA8-49FA-A50F-2DB6D39BAAA9}" type="datetimeFigureOut">
               <a:rPr lang="nl-NL" smtClean="0"/>
-              <a:t>5-4-2018</a:t>
+              <a:t>12-4-2018</a:t>
             </a:fld>
             <a:endParaRPr lang="nl-NL"/>
           </a:p>
@@ -542,7 +541,7 @@
           <a:p>
             <a:fld id="{A3846F6C-3F76-4EE3-A0C3-F0B33692C58F}" type="slidenum">
               <a:rPr lang="nl-NL" smtClean="0"/>
-              <a:t>2</a:t>
+              <a:t>1</a:t>
             </a:fld>
             <a:endParaRPr lang="nl-NL"/>
           </a:p>
@@ -626,7 +625,7 @@
           <a:p>
             <a:fld id="{A3846F6C-3F76-4EE3-A0C3-F0B33692C58F}" type="slidenum">
               <a:rPr lang="nl-NL" smtClean="0"/>
-              <a:t>3</a:t>
+              <a:t>2</a:t>
             </a:fld>
             <a:endParaRPr lang="nl-NL"/>
           </a:p>
@@ -710,7 +709,7 @@
           <a:p>
             <a:fld id="{A3846F6C-3F76-4EE3-A0C3-F0B33692C58F}" type="slidenum">
               <a:rPr lang="nl-NL" smtClean="0"/>
-              <a:t>4</a:t>
+              <a:t>3</a:t>
             </a:fld>
             <a:endParaRPr lang="nl-NL"/>
           </a:p>
@@ -794,7 +793,7 @@
           <a:p>
             <a:fld id="{A3846F6C-3F76-4EE3-A0C3-F0B33692C58F}" type="slidenum">
               <a:rPr lang="nl-NL" smtClean="0"/>
-              <a:t>5</a:t>
+              <a:t>4</a:t>
             </a:fld>
             <a:endParaRPr lang="nl-NL"/>
           </a:p>
@@ -1174,7 +1173,7 @@
           <a:p>
             <a:fld id="{A9710CDB-38B1-8E43-A846-6FE3B07A872E}" type="datetime1">
               <a:rPr lang="en-US" noProof="0" smtClean="0"/>
-              <a:t>4/5/2018</a:t>
+              <a:t>4/12/2018</a:t>
             </a:fld>
             <a:endParaRPr lang="nl-NL" noProof="0" dirty="0"/>
           </a:p>
@@ -1569,7 +1568,7 @@
           <a:p>
             <a:fld id="{12D8B67E-1464-254D-876A-5A059C6CA686}" type="datetime1">
               <a:rPr lang="en-US" smtClean="0"/>
-              <a:t>4/5/2018</a:t>
+              <a:t>4/12/2018</a:t>
             </a:fld>
             <a:endParaRPr lang="nl-NL"/>
           </a:p>
@@ -1988,7 +1987,7 @@
           <a:p>
             <a:fld id="{1297756A-AF1A-B249-A7CF-A1AE4E86FA38}" type="datetime1">
               <a:rPr lang="en-US" smtClean="0"/>
-              <a:t>4/5/2018</a:t>
+              <a:t>4/12/2018</a:t>
             </a:fld>
             <a:endParaRPr lang="nl-NL"/>
           </a:p>
@@ -2349,7 +2348,7 @@
           <a:p>
             <a:fld id="{37C8E900-D3BD-ED44-9070-3471A5611DC2}" type="datetime1">
               <a:rPr lang="en-US" smtClean="0"/>
-              <a:t>4/5/2018</a:t>
+              <a:t>4/12/2018</a:t>
             </a:fld>
             <a:endParaRPr lang="nl-NL"/>
           </a:p>
@@ -2527,7 +2526,7 @@
           <a:p>
             <a:fld id="{203D5A3F-EB4E-3340-8D19-07B028CB11AD}" type="datetime1">
               <a:rPr lang="en-US" smtClean="0"/>
-              <a:t>4/5/2018</a:t>
+              <a:t>4/12/2018</a:t>
             </a:fld>
             <a:endParaRPr lang="nl-NL"/>
           </a:p>
@@ -3456,7 +3455,7 @@
           <a:p>
             <a:fld id="{405216DA-0E4B-CC41-ACBF-76C3BC02E189}" type="datetime1">
               <a:rPr lang="en-US" smtClean="0"/>
-              <a:t>4/5/2018</a:t>
+              <a:t>4/12/2018</a:t>
             </a:fld>
             <a:endParaRPr lang="nl-NL"/>
           </a:p>
@@ -3705,7 +3704,7 @@
             <a:fld id="{6B386563-B90A-4125-A564-304866187BB1}" type="datetime1">
               <a:rPr lang="nl-NL" smtClean="0"/>
               <a:pPr/>
-              <a:t>5-4-2018</a:t>
+              <a:t>12-4-2018</a:t>
             </a:fld>
             <a:endParaRPr lang="nl-NL" dirty="0"/>
           </a:p>
@@ -3970,7 +3969,7 @@
           <a:p>
             <a:fld id="{A4AB6030-B80C-7C4C-B97F-1ADFAB53E146}" type="datetime1">
               <a:rPr lang="en-US" smtClean="0"/>
-              <a:t>4/5/2018</a:t>
+              <a:t>4/12/2018</a:t>
             </a:fld>
             <a:endParaRPr lang="nl-NL"/>
           </a:p>
@@ -4137,7 +4136,7 @@
           <a:p>
             <a:fld id="{DA73B474-0AB7-8846-BA6A-67033A8CF4FA}" type="datetime1">
               <a:rPr lang="en-US" smtClean="0"/>
-              <a:t>4/5/2018</a:t>
+              <a:t>4/12/2018</a:t>
             </a:fld>
             <a:endParaRPr lang="nl-NL"/>
           </a:p>
@@ -4599,7 +4598,7 @@
           <a:p>
             <a:fld id="{56BA50C8-7311-E14C-816D-7251E320C8DC}" type="datetime1">
               <a:rPr lang="en-US" smtClean="0"/>
-              <a:t>4/5/2018</a:t>
+              <a:t>4/12/2018</a:t>
             </a:fld>
             <a:endParaRPr lang="nl-NL"/>
           </a:p>
@@ -5212,7 +5211,7 @@
           <a:p>
             <a:fld id="{A9710CDB-38B1-8E43-A846-6FE3B07A872E}" type="datetime1">
               <a:rPr lang="en-US" noProof="0" smtClean="0"/>
-              <a:t>4/5/2018</a:t>
+              <a:t>4/12/2018</a:t>
             </a:fld>
             <a:endParaRPr lang="nl-NL" noProof="0" dirty="0"/>
           </a:p>
@@ -5526,7 +5525,7 @@
           <a:p>
             <a:fld id="{E300D605-E2BB-8B4E-A2F3-5A64231C34A6}" type="datetime1">
               <a:rPr lang="en-US" smtClean="0"/>
-              <a:t>4/5/2018</a:t>
+              <a:t>4/12/2018</a:t>
             </a:fld>
             <a:endParaRPr lang="nl-NL"/>
           </a:p>
@@ -5977,24 +5976,35 @@
       </p:grpSpPr>
       <p:sp>
         <p:nvSpPr>
-          <p:cNvPr id="2" name="Picture Placeholder 1"/>
-          <p:cNvSpPr>
-            <a:spLocks noGrp="1"/>
-          </p:cNvSpPr>
-          <p:nvPr>
-            <p:ph type="pic" idx="13"/>
+          <p:cNvPr id="2" name="Title 1"/>
+          <p:cNvSpPr>
+            <a:spLocks noGrp="1"/>
+          </p:cNvSpPr>
+          <p:nvPr>
+            <p:ph type="title"/>
           </p:nvPr>
         </p:nvSpPr>
         <p:spPr/>
-      </p:sp>
-      <p:sp>
-        <p:nvSpPr>
-          <p:cNvPr id="3" name="Title 2"/>
-          <p:cNvSpPr>
-            <a:spLocks noGrp="1"/>
-          </p:cNvSpPr>
-          <p:nvPr>
-            <p:ph type="ctrTitle"/>
+        <p:txBody>
+          <a:bodyPr/>
+          <a:lstStyle/>
+          <a:p>
+            <a:r>
+              <a:rPr lang="nl-NL" smtClean="0"/>
+              <a:t>JavaScript refresh</a:t>
+            </a:r>
+            <a:endParaRPr lang="nl-NL"/>
+          </a:p>
+        </p:txBody>
+      </p:sp>
+      <p:sp>
+        <p:nvSpPr>
+          <p:cNvPr id="3" name="Content Placeholder 2"/>
+          <p:cNvSpPr>
+            <a:spLocks noGrp="1"/>
+          </p:cNvSpPr>
+          <p:nvPr>
+            <p:ph idx="1"/>
           </p:nvPr>
         </p:nvSpPr>
         <p:spPr/>
@@ -6002,6 +6012,62 @@
           <a:bodyPr/>
           <a:lstStyle/>
           <a:p>
+            <a:r>
+              <a:rPr lang="nl-NL" smtClean="0"/>
+              <a:t>Presentation JavaScript</a:t>
+            </a:r>
+          </a:p>
+          <a:p>
+            <a:r>
+              <a:rPr lang="nl-NL" smtClean="0"/>
+              <a:t>Differences / Similarities Java</a:t>
+            </a:r>
+            <a:endParaRPr lang="nl-NL"/>
+          </a:p>
+        </p:txBody>
+      </p:sp>
+      <p:sp>
+        <p:nvSpPr>
+          <p:cNvPr id="4" name="Footer Placeholder 3"/>
+          <p:cNvSpPr>
+            <a:spLocks noGrp="1"/>
+          </p:cNvSpPr>
+          <p:nvPr>
+            <p:ph type="ftr" sz="quarter" idx="11"/>
+          </p:nvPr>
+        </p:nvSpPr>
+        <p:spPr/>
+        <p:txBody>
+          <a:bodyPr/>
+          <a:lstStyle/>
+          <a:p>
+            <a:r>
+              <a:rPr lang="nl-NL" smtClean="0"/>
+              <a:t>Demonstration, sprint 3</a:t>
+            </a:r>
+            <a:endParaRPr lang="nl-NL" dirty="0"/>
+          </a:p>
+        </p:txBody>
+      </p:sp>
+      <p:sp>
+        <p:nvSpPr>
+          <p:cNvPr id="5" name="Slide Number Placeholder 4"/>
+          <p:cNvSpPr>
+            <a:spLocks noGrp="1"/>
+          </p:cNvSpPr>
+          <p:nvPr>
+            <p:ph type="sldNum" sz="quarter" idx="12"/>
+          </p:nvPr>
+        </p:nvSpPr>
+        <p:spPr/>
+        <p:txBody>
+          <a:bodyPr/>
+          <a:lstStyle/>
+          <a:p>
+            <a:fld id="{14F1411D-0280-154F-AEAC-4C20B7AA46B2}" type="slidenum">
+              <a:rPr lang="nl-NL" smtClean="0"/>
+              <a:t>1</a:t>
+            </a:fld>
             <a:endParaRPr lang="nl-NL"/>
           </a:p>
         </p:txBody>
@@ -6009,7 +6075,7 @@
     </p:spTree>
     <p:extLst>
       <p:ext uri="{BB962C8B-B14F-4D97-AF65-F5344CB8AC3E}">
-        <p14:creationId xmlns:p14="http://schemas.microsoft.com/office/powerpoint/2010/main" val="31000936"/>
+        <p14:creationId xmlns:p14="http://schemas.microsoft.com/office/powerpoint/2010/main" val="193476537"/>
       </p:ext>
     </p:extLst>
   </p:cSld>
@@ -6053,7 +6119,7 @@
           <a:p>
             <a:r>
               <a:rPr lang="nl-NL" smtClean="0"/>
-              <a:t>JavaScript refresh</a:t>
+              <a:t>jQuery</a:t>
             </a:r>
             <a:endParaRPr lang="nl-NL"/>
           </a:p>
@@ -6074,16 +6140,6 @@
           <a:bodyPr/>
           <a:lstStyle/>
           <a:p>
-            <a:r>
-              <a:rPr lang="nl-NL" smtClean="0"/>
-              <a:t>Presentation JavaScript</a:t>
-            </a:r>
-          </a:p>
-          <a:p>
-            <a:r>
-              <a:rPr lang="nl-NL" smtClean="0"/>
-              <a:t>Differences / Similarities Java</a:t>
-            </a:r>
             <a:endParaRPr lang="nl-NL"/>
           </a:p>
         </p:txBody>
@@ -6137,7 +6193,7 @@
     </p:spTree>
     <p:extLst>
       <p:ext uri="{BB962C8B-B14F-4D97-AF65-F5344CB8AC3E}">
-        <p14:creationId xmlns:p14="http://schemas.microsoft.com/office/powerpoint/2010/main" val="193476537"/>
+        <p14:creationId xmlns:p14="http://schemas.microsoft.com/office/powerpoint/2010/main" val="1290343509"/>
       </p:ext>
     </p:extLst>
   </p:cSld>
@@ -6181,7 +6237,7 @@
           <a:p>
             <a:r>
               <a:rPr lang="nl-NL" smtClean="0"/>
-              <a:t>jQuery</a:t>
+              <a:t>JavaScript debugging</a:t>
             </a:r>
             <a:endParaRPr lang="nl-NL"/>
           </a:p>
@@ -6201,6 +6257,30 @@
         <p:txBody>
           <a:bodyPr/>
           <a:lstStyle/>
+          <a:p>
+            <a:r>
+              <a:rPr lang="nl-NL" smtClean="0"/>
+              <a:t>Console.log</a:t>
+            </a:r>
+          </a:p>
+          <a:p>
+            <a:r>
+              <a:rPr lang="nl-NL" smtClean="0"/>
+              <a:t>console.log(‘debug message’);</a:t>
+            </a:r>
+          </a:p>
+          <a:p>
+            <a:r>
+              <a:rPr lang="nl-NL" smtClean="0"/>
+              <a:t>Also Objects, Arrays, etc.</a:t>
+            </a:r>
+          </a:p>
+          <a:p>
+            <a:r>
+              <a:rPr lang="nl-NL" smtClean="0"/>
+              <a:t>Debugging / developer tools available in all browsers (F12)</a:t>
+            </a:r>
+          </a:p>
           <a:p>
             <a:endParaRPr lang="nl-NL"/>
           </a:p>
@@ -6252,10 +6332,82 @@
           </a:p>
         </p:txBody>
       </p:sp>
+      <p:pic>
+        <p:nvPicPr>
+          <p:cNvPr id="6" name="Picture 5"/>
+          <p:cNvPicPr>
+            <a:picLocks noChangeAspect="1"/>
+          </p:cNvPicPr>
+          <p:nvPr/>
+        </p:nvPicPr>
+        <p:blipFill>
+          <a:blip r:embed="rId3"/>
+          <a:stretch>
+            <a:fillRect/>
+          </a:stretch>
+        </p:blipFill>
+        <p:spPr>
+          <a:xfrm>
+            <a:off x="207072" y="2167103"/>
+            <a:ext cx="3498863" cy="981824"/>
+          </a:xfrm>
+          <a:prstGeom prst="rect">
+            <a:avLst/>
+          </a:prstGeom>
+        </p:spPr>
+      </p:pic>
+      <p:pic>
+        <p:nvPicPr>
+          <p:cNvPr id="7" name="Picture 6"/>
+          <p:cNvPicPr>
+            <a:picLocks noChangeAspect="1"/>
+          </p:cNvPicPr>
+          <p:nvPr/>
+        </p:nvPicPr>
+        <p:blipFill>
+          <a:blip r:embed="rId4"/>
+          <a:stretch>
+            <a:fillRect/>
+          </a:stretch>
+        </p:blipFill>
+        <p:spPr>
+          <a:xfrm>
+            <a:off x="2333590" y="3436927"/>
+            <a:ext cx="3164202" cy="915826"/>
+          </a:xfrm>
+          <a:prstGeom prst="rect">
+            <a:avLst/>
+          </a:prstGeom>
+        </p:spPr>
+      </p:pic>
+      <p:pic>
+        <p:nvPicPr>
+          <p:cNvPr id="8" name="Picture 7"/>
+          <p:cNvPicPr>
+            <a:picLocks noChangeAspect="1"/>
+          </p:cNvPicPr>
+          <p:nvPr/>
+        </p:nvPicPr>
+        <p:blipFill>
+          <a:blip r:embed="rId5"/>
+          <a:stretch>
+            <a:fillRect/>
+          </a:stretch>
+        </p:blipFill>
+        <p:spPr>
+          <a:xfrm>
+            <a:off x="4604981" y="2120741"/>
+            <a:ext cx="4204365" cy="1028186"/>
+          </a:xfrm>
+          <a:prstGeom prst="rect">
+            <a:avLst/>
+          </a:prstGeom>
+        </p:spPr>
+      </p:pic>
     </p:spTree>
     <p:extLst>
       <p:ext uri="{BB962C8B-B14F-4D97-AF65-F5344CB8AC3E}">
-        <p14:creationId xmlns:p14="http://schemas.microsoft.com/office/powerpoint/2010/main" val="1290343509"/>
+        <p14:creationId xmlns:p14="http://schemas.microsoft.com/office/powerpoint/2010/main" val="4247596912"/>
       </p:ext>
     </p:extLst>
   </p:cSld>
@@ -6299,220 +6451,6 @@
           <a:p>
             <a:r>
               <a:rPr lang="nl-NL" smtClean="0"/>
-              <a:t>JavaScript debugging</a:t>
-            </a:r>
-            <a:endParaRPr lang="nl-NL"/>
-          </a:p>
-        </p:txBody>
-      </p:sp>
-      <p:sp>
-        <p:nvSpPr>
-          <p:cNvPr id="3" name="Content Placeholder 2"/>
-          <p:cNvSpPr>
-            <a:spLocks noGrp="1"/>
-          </p:cNvSpPr>
-          <p:nvPr>
-            <p:ph idx="1"/>
-          </p:nvPr>
-        </p:nvSpPr>
-        <p:spPr/>
-        <p:txBody>
-          <a:bodyPr/>
-          <a:lstStyle/>
-          <a:p>
-            <a:r>
-              <a:rPr lang="nl-NL" smtClean="0"/>
-              <a:t>Console.log</a:t>
-            </a:r>
-          </a:p>
-          <a:p>
-            <a:r>
-              <a:rPr lang="nl-NL" smtClean="0"/>
-              <a:t>console.log(‘debug message’);</a:t>
-            </a:r>
-          </a:p>
-          <a:p>
-            <a:r>
-              <a:rPr lang="nl-NL" smtClean="0"/>
-              <a:t>Also Objects, Arrays, etc.</a:t>
-            </a:r>
-          </a:p>
-          <a:p>
-            <a:r>
-              <a:rPr lang="nl-NL" smtClean="0"/>
-              <a:t>Debugging / developer tools available in all browsers (F12)</a:t>
-            </a:r>
-          </a:p>
-          <a:p>
-            <a:endParaRPr lang="nl-NL"/>
-          </a:p>
-        </p:txBody>
-      </p:sp>
-      <p:sp>
-        <p:nvSpPr>
-          <p:cNvPr id="4" name="Footer Placeholder 3"/>
-          <p:cNvSpPr>
-            <a:spLocks noGrp="1"/>
-          </p:cNvSpPr>
-          <p:nvPr>
-            <p:ph type="ftr" sz="quarter" idx="11"/>
-          </p:nvPr>
-        </p:nvSpPr>
-        <p:spPr/>
-        <p:txBody>
-          <a:bodyPr/>
-          <a:lstStyle/>
-          <a:p>
-            <a:r>
-              <a:rPr lang="nl-NL" smtClean="0"/>
-              <a:t>Demonstration, sprint 3</a:t>
-            </a:r>
-            <a:endParaRPr lang="nl-NL" dirty="0"/>
-          </a:p>
-        </p:txBody>
-      </p:sp>
-      <p:sp>
-        <p:nvSpPr>
-          <p:cNvPr id="5" name="Slide Number Placeholder 4"/>
-          <p:cNvSpPr>
-            <a:spLocks noGrp="1"/>
-          </p:cNvSpPr>
-          <p:nvPr>
-            <p:ph type="sldNum" sz="quarter" idx="12"/>
-          </p:nvPr>
-        </p:nvSpPr>
-        <p:spPr/>
-        <p:txBody>
-          <a:bodyPr/>
-          <a:lstStyle/>
-          <a:p>
-            <a:fld id="{14F1411D-0280-154F-AEAC-4C20B7AA46B2}" type="slidenum">
-              <a:rPr lang="nl-NL" smtClean="0"/>
-              <a:t>4</a:t>
-            </a:fld>
-            <a:endParaRPr lang="nl-NL"/>
-          </a:p>
-        </p:txBody>
-      </p:sp>
-      <p:pic>
-        <p:nvPicPr>
-          <p:cNvPr id="6" name="Picture 5"/>
-          <p:cNvPicPr>
-            <a:picLocks noChangeAspect="1"/>
-          </p:cNvPicPr>
-          <p:nvPr/>
-        </p:nvPicPr>
-        <p:blipFill>
-          <a:blip r:embed="rId3"/>
-          <a:stretch>
-            <a:fillRect/>
-          </a:stretch>
-        </p:blipFill>
-        <p:spPr>
-          <a:xfrm>
-            <a:off x="207072" y="2167103"/>
-            <a:ext cx="3498863" cy="981824"/>
-          </a:xfrm>
-          <a:prstGeom prst="rect">
-            <a:avLst/>
-          </a:prstGeom>
-        </p:spPr>
-      </p:pic>
-      <p:pic>
-        <p:nvPicPr>
-          <p:cNvPr id="7" name="Picture 6"/>
-          <p:cNvPicPr>
-            <a:picLocks noChangeAspect="1"/>
-          </p:cNvPicPr>
-          <p:nvPr/>
-        </p:nvPicPr>
-        <p:blipFill>
-          <a:blip r:embed="rId4"/>
-          <a:stretch>
-            <a:fillRect/>
-          </a:stretch>
-        </p:blipFill>
-        <p:spPr>
-          <a:xfrm>
-            <a:off x="2333590" y="3436927"/>
-            <a:ext cx="3164202" cy="915826"/>
-          </a:xfrm>
-          <a:prstGeom prst="rect">
-            <a:avLst/>
-          </a:prstGeom>
-        </p:spPr>
-      </p:pic>
-      <p:pic>
-        <p:nvPicPr>
-          <p:cNvPr id="8" name="Picture 7"/>
-          <p:cNvPicPr>
-            <a:picLocks noChangeAspect="1"/>
-          </p:cNvPicPr>
-          <p:nvPr/>
-        </p:nvPicPr>
-        <p:blipFill>
-          <a:blip r:embed="rId5"/>
-          <a:stretch>
-            <a:fillRect/>
-          </a:stretch>
-        </p:blipFill>
-        <p:spPr>
-          <a:xfrm>
-            <a:off x="4604981" y="2120741"/>
-            <a:ext cx="4204365" cy="1028186"/>
-          </a:xfrm>
-          <a:prstGeom prst="rect">
-            <a:avLst/>
-          </a:prstGeom>
-        </p:spPr>
-      </p:pic>
-    </p:spTree>
-    <p:extLst>
-      <p:ext uri="{BB962C8B-B14F-4D97-AF65-F5344CB8AC3E}">
-        <p14:creationId xmlns:p14="http://schemas.microsoft.com/office/powerpoint/2010/main" val="4247596912"/>
-      </p:ext>
-    </p:extLst>
-  </p:cSld>
-  <p:clrMapOvr>
-    <a:masterClrMapping/>
-  </p:clrMapOvr>
-</p:sld>
-</file>
-
-<file path=ppt/slides/slide5.xml><?xml version="1.0" encoding="utf-8"?>
-<p:sld xmlns:a="http://schemas.openxmlformats.org/drawingml/2006/main" xmlns:r="http://schemas.openxmlformats.org/officeDocument/2006/relationships" xmlns:p="http://schemas.openxmlformats.org/presentationml/2006/main">
-  <p:cSld>
-    <p:spTree>
-      <p:nvGrpSpPr>
-        <p:cNvPr id="1" name=""/>
-        <p:cNvGrpSpPr/>
-        <p:nvPr/>
-      </p:nvGrpSpPr>
-      <p:grpSpPr>
-        <a:xfrm>
-          <a:off x="0" y="0"/>
-          <a:ext cx="0" cy="0"/>
-          <a:chOff x="0" y="0"/>
-          <a:chExt cx="0" cy="0"/>
-        </a:xfrm>
-      </p:grpSpPr>
-      <p:sp>
-        <p:nvSpPr>
-          <p:cNvPr id="2" name="Title 1"/>
-          <p:cNvSpPr>
-            <a:spLocks noGrp="1"/>
-          </p:cNvSpPr>
-          <p:nvPr>
-            <p:ph type="title"/>
-          </p:nvPr>
-        </p:nvSpPr>
-        <p:spPr/>
-        <p:txBody>
-          <a:bodyPr/>
-          <a:lstStyle/>
-          <a:p>
-            <a:r>
-              <a:rPr lang="nl-NL" smtClean="0"/>
               <a:t>JET logging</a:t>
             </a:r>
             <a:endParaRPr lang="nl-NL"/>
@@ -6557,13 +6495,7 @@
               <a:rPr lang="nl-NL" altLang="nl-NL" sz="1200">
                 <a:latin typeface="Arial Unicode MS" panose="020B0604020202020204" pitchFamily="34" charset="-128"/>
               </a:rPr>
-              <a:t>oj.Logger.warn("Beware </a:t>
-            </a:r>
-            <a:r>
-              <a:rPr lang="nl-NL" altLang="nl-NL" sz="1200">
-                <a:latin typeface="Arial Unicode MS" panose="020B0604020202020204" pitchFamily="34" charset="-128"/>
-              </a:rPr>
-              <a:t>of </a:t>
+              <a:t>oj.Logger.warn("Beware of </a:t>
             </a:r>
             <a:r>
               <a:rPr lang="nl-NL" altLang="nl-NL" sz="1200" smtClean="0">
@@ -6575,13 +6507,7 @@
               <a:rPr lang="nl-NL" altLang="nl-NL" sz="1200">
                 <a:latin typeface="Arial Unicode MS" panose="020B0604020202020204" pitchFamily="34" charset="-128"/>
               </a:rPr>
-              <a:t>the above code</a:t>
-            </a:r>
-            <a:r>
-              <a:rPr lang="nl-NL" altLang="nl-NL" sz="1200">
-                <a:latin typeface="Arial Unicode MS" panose="020B0604020202020204" pitchFamily="34" charset="-128"/>
-              </a:rPr>
-              <a:t>"); </a:t>
+              <a:t>the above code"); </a:t>
             </a:r>
             <a:endParaRPr lang="nl-NL" altLang="nl-NL" sz="1200" smtClean="0">
               <a:latin typeface="Arial Unicode MS" panose="020B0604020202020204" pitchFamily="34" charset="-128"/>
@@ -6618,11 +6544,7 @@
             </a:r>
             <a:r>
               <a:rPr lang="nl-NL" sz="1400"/>
-              <a:t>("level</a:t>
-            </a:r>
-            <a:r>
-              <a:rPr lang="nl-NL" sz="1400"/>
-              <a:t>", </a:t>
+              <a:t>("level", </a:t>
             </a:r>
             <a:r>
               <a:rPr lang="nl-NL" sz="1400" smtClean="0"/>
@@ -6679,7 +6601,7 @@
           <a:p>
             <a:fld id="{14F1411D-0280-154F-AEAC-4C20B7AA46B2}" type="slidenum">
               <a:rPr lang="nl-NL" smtClean="0"/>
-              <a:t>5</a:t>
+              <a:t>4</a:t>
             </a:fld>
             <a:endParaRPr lang="nl-NL"/>
           </a:p>

--- a/JavaScriptRefresh.pptx
+++ b/JavaScriptRefresh.pptx
@@ -5,13 +5,14 @@
     <p:sldMasterId id="2147483672" r:id="rId1"/>
   </p:sldMasterIdLst>
   <p:notesMasterIdLst>
-    <p:notesMasterId r:id="rId6"/>
+    <p:notesMasterId r:id="rId7"/>
   </p:notesMasterIdLst>
   <p:sldIdLst>
-    <p:sldId id="257" r:id="rId2"/>
-    <p:sldId id="258" r:id="rId3"/>
-    <p:sldId id="259" r:id="rId4"/>
-    <p:sldId id="260" r:id="rId5"/>
+    <p:sldId id="256" r:id="rId2"/>
+    <p:sldId id="257" r:id="rId3"/>
+    <p:sldId id="258" r:id="rId4"/>
+    <p:sldId id="259" r:id="rId5"/>
+    <p:sldId id="260" r:id="rId6"/>
   </p:sldIdLst>
   <p:sldSz cx="9144000" cy="5143500" type="screen16x9"/>
   <p:notesSz cx="6858000" cy="9144000"/>
@@ -200,7 +201,7 @@
           <a:p>
             <a:fld id="{B634D75E-7CA8-49FA-A50F-2DB6D39BAAA9}" type="datetimeFigureOut">
               <a:rPr lang="nl-NL" smtClean="0"/>
-              <a:t>12-4-2018</a:t>
+              <a:t>5-4-2018</a:t>
             </a:fld>
             <a:endParaRPr lang="nl-NL"/>
           </a:p>
@@ -541,7 +542,7 @@
           <a:p>
             <a:fld id="{A3846F6C-3F76-4EE3-A0C3-F0B33692C58F}" type="slidenum">
               <a:rPr lang="nl-NL" smtClean="0"/>
-              <a:t>1</a:t>
+              <a:t>2</a:t>
             </a:fld>
             <a:endParaRPr lang="nl-NL"/>
           </a:p>
@@ -625,7 +626,7 @@
           <a:p>
             <a:fld id="{A3846F6C-3F76-4EE3-A0C3-F0B33692C58F}" type="slidenum">
               <a:rPr lang="nl-NL" smtClean="0"/>
-              <a:t>2</a:t>
+              <a:t>3</a:t>
             </a:fld>
             <a:endParaRPr lang="nl-NL"/>
           </a:p>
@@ -709,7 +710,7 @@
           <a:p>
             <a:fld id="{A3846F6C-3F76-4EE3-A0C3-F0B33692C58F}" type="slidenum">
               <a:rPr lang="nl-NL" smtClean="0"/>
-              <a:t>3</a:t>
+              <a:t>4</a:t>
             </a:fld>
             <a:endParaRPr lang="nl-NL"/>
           </a:p>
@@ -793,7 +794,7 @@
           <a:p>
             <a:fld id="{A3846F6C-3F76-4EE3-A0C3-F0B33692C58F}" type="slidenum">
               <a:rPr lang="nl-NL" smtClean="0"/>
-              <a:t>4</a:t>
+              <a:t>5</a:t>
             </a:fld>
             <a:endParaRPr lang="nl-NL"/>
           </a:p>
@@ -1173,7 +1174,7 @@
           <a:p>
             <a:fld id="{A9710CDB-38B1-8E43-A846-6FE3B07A872E}" type="datetime1">
               <a:rPr lang="en-US" noProof="0" smtClean="0"/>
-              <a:t>4/12/2018</a:t>
+              <a:t>4/5/2018</a:t>
             </a:fld>
             <a:endParaRPr lang="nl-NL" noProof="0" dirty="0"/>
           </a:p>
@@ -1568,7 +1569,7 @@
           <a:p>
             <a:fld id="{12D8B67E-1464-254D-876A-5A059C6CA686}" type="datetime1">
               <a:rPr lang="en-US" smtClean="0"/>
-              <a:t>4/12/2018</a:t>
+              <a:t>4/5/2018</a:t>
             </a:fld>
             <a:endParaRPr lang="nl-NL"/>
           </a:p>
@@ -1987,7 +1988,7 @@
           <a:p>
             <a:fld id="{1297756A-AF1A-B249-A7CF-A1AE4E86FA38}" type="datetime1">
               <a:rPr lang="en-US" smtClean="0"/>
-              <a:t>4/12/2018</a:t>
+              <a:t>4/5/2018</a:t>
             </a:fld>
             <a:endParaRPr lang="nl-NL"/>
           </a:p>
@@ -2348,7 +2349,7 @@
           <a:p>
             <a:fld id="{37C8E900-D3BD-ED44-9070-3471A5611DC2}" type="datetime1">
               <a:rPr lang="en-US" smtClean="0"/>
-              <a:t>4/12/2018</a:t>
+              <a:t>4/5/2018</a:t>
             </a:fld>
             <a:endParaRPr lang="nl-NL"/>
           </a:p>
@@ -2526,7 +2527,7 @@
           <a:p>
             <a:fld id="{203D5A3F-EB4E-3340-8D19-07B028CB11AD}" type="datetime1">
               <a:rPr lang="en-US" smtClean="0"/>
-              <a:t>4/12/2018</a:t>
+              <a:t>4/5/2018</a:t>
             </a:fld>
             <a:endParaRPr lang="nl-NL"/>
           </a:p>
@@ -3455,7 +3456,7 @@
           <a:p>
             <a:fld id="{405216DA-0E4B-CC41-ACBF-76C3BC02E189}" type="datetime1">
               <a:rPr lang="en-US" smtClean="0"/>
-              <a:t>4/12/2018</a:t>
+              <a:t>4/5/2018</a:t>
             </a:fld>
             <a:endParaRPr lang="nl-NL"/>
           </a:p>
@@ -3704,7 +3705,7 @@
             <a:fld id="{6B386563-B90A-4125-A564-304866187BB1}" type="datetime1">
               <a:rPr lang="nl-NL" smtClean="0"/>
               <a:pPr/>
-              <a:t>12-4-2018</a:t>
+              <a:t>5-4-2018</a:t>
             </a:fld>
             <a:endParaRPr lang="nl-NL" dirty="0"/>
           </a:p>
@@ -3969,7 +3970,7 @@
           <a:p>
             <a:fld id="{A4AB6030-B80C-7C4C-B97F-1ADFAB53E146}" type="datetime1">
               <a:rPr lang="en-US" smtClean="0"/>
-              <a:t>4/12/2018</a:t>
+              <a:t>4/5/2018</a:t>
             </a:fld>
             <a:endParaRPr lang="nl-NL"/>
           </a:p>
@@ -4136,7 +4137,7 @@
           <a:p>
             <a:fld id="{DA73B474-0AB7-8846-BA6A-67033A8CF4FA}" type="datetime1">
               <a:rPr lang="en-US" smtClean="0"/>
-              <a:t>4/12/2018</a:t>
+              <a:t>4/5/2018</a:t>
             </a:fld>
             <a:endParaRPr lang="nl-NL"/>
           </a:p>
@@ -4598,7 +4599,7 @@
           <a:p>
             <a:fld id="{56BA50C8-7311-E14C-816D-7251E320C8DC}" type="datetime1">
               <a:rPr lang="en-US" smtClean="0"/>
-              <a:t>4/12/2018</a:t>
+              <a:t>4/5/2018</a:t>
             </a:fld>
             <a:endParaRPr lang="nl-NL"/>
           </a:p>
@@ -5211,7 +5212,7 @@
           <a:p>
             <a:fld id="{A9710CDB-38B1-8E43-A846-6FE3B07A872E}" type="datetime1">
               <a:rPr lang="en-US" noProof="0" smtClean="0"/>
-              <a:t>4/12/2018</a:t>
+              <a:t>4/5/2018</a:t>
             </a:fld>
             <a:endParaRPr lang="nl-NL" noProof="0" dirty="0"/>
           </a:p>
@@ -5525,7 +5526,7 @@
           <a:p>
             <a:fld id="{E300D605-E2BB-8B4E-A2F3-5A64231C34A6}" type="datetime1">
               <a:rPr lang="en-US" smtClean="0"/>
-              <a:t>4/12/2018</a:t>
+              <a:t>4/5/2018</a:t>
             </a:fld>
             <a:endParaRPr lang="nl-NL"/>
           </a:p>
@@ -5976,98 +5977,31 @@
       </p:grpSpPr>
       <p:sp>
         <p:nvSpPr>
-          <p:cNvPr id="2" name="Title 1"/>
-          <p:cNvSpPr>
-            <a:spLocks noGrp="1"/>
-          </p:cNvSpPr>
-          <p:nvPr>
-            <p:ph type="title"/>
+          <p:cNvPr id="2" name="Picture Placeholder 1"/>
+          <p:cNvSpPr>
+            <a:spLocks noGrp="1"/>
+          </p:cNvSpPr>
+          <p:nvPr>
+            <p:ph type="pic" idx="13"/>
           </p:nvPr>
         </p:nvSpPr>
         <p:spPr/>
+      </p:sp>
+      <p:sp>
+        <p:nvSpPr>
+          <p:cNvPr id="3" name="Title 2"/>
+          <p:cNvSpPr>
+            <a:spLocks noGrp="1"/>
+          </p:cNvSpPr>
+          <p:nvPr>
+            <p:ph type="ctrTitle"/>
+          </p:nvPr>
+        </p:nvSpPr>
+        <p:spPr/>
         <p:txBody>
           <a:bodyPr/>
           <a:lstStyle/>
           <a:p>
-            <a:r>
-              <a:rPr lang="nl-NL" smtClean="0"/>
-              <a:t>JavaScript refresh</a:t>
-            </a:r>
-            <a:endParaRPr lang="nl-NL"/>
-          </a:p>
-        </p:txBody>
-      </p:sp>
-      <p:sp>
-        <p:nvSpPr>
-          <p:cNvPr id="3" name="Content Placeholder 2"/>
-          <p:cNvSpPr>
-            <a:spLocks noGrp="1"/>
-          </p:cNvSpPr>
-          <p:nvPr>
-            <p:ph idx="1"/>
-          </p:nvPr>
-        </p:nvSpPr>
-        <p:spPr/>
-        <p:txBody>
-          <a:bodyPr/>
-          <a:lstStyle/>
-          <a:p>
-            <a:r>
-              <a:rPr lang="nl-NL" smtClean="0"/>
-              <a:t>Presentation JavaScript</a:t>
-            </a:r>
-          </a:p>
-          <a:p>
-            <a:r>
-              <a:rPr lang="nl-NL" smtClean="0"/>
-              <a:t>Differences / Similarities Java</a:t>
-            </a:r>
-            <a:endParaRPr lang="nl-NL"/>
-          </a:p>
-        </p:txBody>
-      </p:sp>
-      <p:sp>
-        <p:nvSpPr>
-          <p:cNvPr id="4" name="Footer Placeholder 3"/>
-          <p:cNvSpPr>
-            <a:spLocks noGrp="1"/>
-          </p:cNvSpPr>
-          <p:nvPr>
-            <p:ph type="ftr" sz="quarter" idx="11"/>
-          </p:nvPr>
-        </p:nvSpPr>
-        <p:spPr/>
-        <p:txBody>
-          <a:bodyPr/>
-          <a:lstStyle/>
-          <a:p>
-            <a:r>
-              <a:rPr lang="nl-NL" smtClean="0"/>
-              <a:t>Demonstration, sprint 3</a:t>
-            </a:r>
-            <a:endParaRPr lang="nl-NL" dirty="0"/>
-          </a:p>
-        </p:txBody>
-      </p:sp>
-      <p:sp>
-        <p:nvSpPr>
-          <p:cNvPr id="5" name="Slide Number Placeholder 4"/>
-          <p:cNvSpPr>
-            <a:spLocks noGrp="1"/>
-          </p:cNvSpPr>
-          <p:nvPr>
-            <p:ph type="sldNum" sz="quarter" idx="12"/>
-          </p:nvPr>
-        </p:nvSpPr>
-        <p:spPr/>
-        <p:txBody>
-          <a:bodyPr/>
-          <a:lstStyle/>
-          <a:p>
-            <a:fld id="{14F1411D-0280-154F-AEAC-4C20B7AA46B2}" type="slidenum">
-              <a:rPr lang="nl-NL" smtClean="0"/>
-              <a:t>1</a:t>
-            </a:fld>
             <a:endParaRPr lang="nl-NL"/>
           </a:p>
         </p:txBody>
@@ -6075,7 +6009,7 @@
     </p:spTree>
     <p:extLst>
       <p:ext uri="{BB962C8B-B14F-4D97-AF65-F5344CB8AC3E}">
-        <p14:creationId xmlns:p14="http://schemas.microsoft.com/office/powerpoint/2010/main" val="193476537"/>
+        <p14:creationId xmlns:p14="http://schemas.microsoft.com/office/powerpoint/2010/main" val="31000936"/>
       </p:ext>
     </p:extLst>
   </p:cSld>
@@ -6119,7 +6053,7 @@
           <a:p>
             <a:r>
               <a:rPr lang="nl-NL" smtClean="0"/>
-              <a:t>jQuery</a:t>
+              <a:t>JavaScript refresh</a:t>
             </a:r>
             <a:endParaRPr lang="nl-NL"/>
           </a:p>
@@ -6140,6 +6074,16 @@
           <a:bodyPr/>
           <a:lstStyle/>
           <a:p>
+            <a:r>
+              <a:rPr lang="nl-NL" smtClean="0"/>
+              <a:t>Presentation JavaScript</a:t>
+            </a:r>
+          </a:p>
+          <a:p>
+            <a:r>
+              <a:rPr lang="nl-NL" smtClean="0"/>
+              <a:t>Differences / Similarities Java</a:t>
+            </a:r>
             <a:endParaRPr lang="nl-NL"/>
           </a:p>
         </p:txBody>
@@ -6193,7 +6137,7 @@
     </p:spTree>
     <p:extLst>
       <p:ext uri="{BB962C8B-B14F-4D97-AF65-F5344CB8AC3E}">
-        <p14:creationId xmlns:p14="http://schemas.microsoft.com/office/powerpoint/2010/main" val="1290343509"/>
+        <p14:creationId xmlns:p14="http://schemas.microsoft.com/office/powerpoint/2010/main" val="193476537"/>
       </p:ext>
     </p:extLst>
   </p:cSld>
@@ -6237,7 +6181,7 @@
           <a:p>
             <a:r>
               <a:rPr lang="nl-NL" smtClean="0"/>
-              <a:t>JavaScript debugging</a:t>
+              <a:t>jQuery</a:t>
             </a:r>
             <a:endParaRPr lang="nl-NL"/>
           </a:p>
@@ -6257,30 +6201,6 @@
         <p:txBody>
           <a:bodyPr/>
           <a:lstStyle/>
-          <a:p>
-            <a:r>
-              <a:rPr lang="nl-NL" smtClean="0"/>
-              <a:t>Console.log</a:t>
-            </a:r>
-          </a:p>
-          <a:p>
-            <a:r>
-              <a:rPr lang="nl-NL" smtClean="0"/>
-              <a:t>console.log(‘debug message’);</a:t>
-            </a:r>
-          </a:p>
-          <a:p>
-            <a:r>
-              <a:rPr lang="nl-NL" smtClean="0"/>
-              <a:t>Also Objects, Arrays, etc.</a:t>
-            </a:r>
-          </a:p>
-          <a:p>
-            <a:r>
-              <a:rPr lang="nl-NL" smtClean="0"/>
-              <a:t>Debugging / developer tools available in all browsers (F12)</a:t>
-            </a:r>
-          </a:p>
           <a:p>
             <a:endParaRPr lang="nl-NL"/>
           </a:p>
@@ -6332,82 +6252,10 @@
           </a:p>
         </p:txBody>
       </p:sp>
-      <p:pic>
-        <p:nvPicPr>
-          <p:cNvPr id="6" name="Picture 5"/>
-          <p:cNvPicPr>
-            <a:picLocks noChangeAspect="1"/>
-          </p:cNvPicPr>
-          <p:nvPr/>
-        </p:nvPicPr>
-        <p:blipFill>
-          <a:blip r:embed="rId3"/>
-          <a:stretch>
-            <a:fillRect/>
-          </a:stretch>
-        </p:blipFill>
-        <p:spPr>
-          <a:xfrm>
-            <a:off x="207072" y="2167103"/>
-            <a:ext cx="3498863" cy="981824"/>
-          </a:xfrm>
-          <a:prstGeom prst="rect">
-            <a:avLst/>
-          </a:prstGeom>
-        </p:spPr>
-      </p:pic>
-      <p:pic>
-        <p:nvPicPr>
-          <p:cNvPr id="7" name="Picture 6"/>
-          <p:cNvPicPr>
-            <a:picLocks noChangeAspect="1"/>
-          </p:cNvPicPr>
-          <p:nvPr/>
-        </p:nvPicPr>
-        <p:blipFill>
-          <a:blip r:embed="rId4"/>
-          <a:stretch>
-            <a:fillRect/>
-          </a:stretch>
-        </p:blipFill>
-        <p:spPr>
-          <a:xfrm>
-            <a:off x="2333590" y="3436927"/>
-            <a:ext cx="3164202" cy="915826"/>
-          </a:xfrm>
-          <a:prstGeom prst="rect">
-            <a:avLst/>
-          </a:prstGeom>
-        </p:spPr>
-      </p:pic>
-      <p:pic>
-        <p:nvPicPr>
-          <p:cNvPr id="8" name="Picture 7"/>
-          <p:cNvPicPr>
-            <a:picLocks noChangeAspect="1"/>
-          </p:cNvPicPr>
-          <p:nvPr/>
-        </p:nvPicPr>
-        <p:blipFill>
-          <a:blip r:embed="rId5"/>
-          <a:stretch>
-            <a:fillRect/>
-          </a:stretch>
-        </p:blipFill>
-        <p:spPr>
-          <a:xfrm>
-            <a:off x="4604981" y="2120741"/>
-            <a:ext cx="4204365" cy="1028186"/>
-          </a:xfrm>
-          <a:prstGeom prst="rect">
-            <a:avLst/>
-          </a:prstGeom>
-        </p:spPr>
-      </p:pic>
     </p:spTree>
     <p:extLst>
       <p:ext uri="{BB962C8B-B14F-4D97-AF65-F5344CB8AC3E}">
-        <p14:creationId xmlns:p14="http://schemas.microsoft.com/office/powerpoint/2010/main" val="4247596912"/>
+        <p14:creationId xmlns:p14="http://schemas.microsoft.com/office/powerpoint/2010/main" val="1290343509"/>
       </p:ext>
     </p:extLst>
   </p:cSld>
@@ -6451,6 +6299,220 @@
           <a:p>
             <a:r>
               <a:rPr lang="nl-NL" smtClean="0"/>
+              <a:t>JavaScript debugging</a:t>
+            </a:r>
+            <a:endParaRPr lang="nl-NL"/>
+          </a:p>
+        </p:txBody>
+      </p:sp>
+      <p:sp>
+        <p:nvSpPr>
+          <p:cNvPr id="3" name="Content Placeholder 2"/>
+          <p:cNvSpPr>
+            <a:spLocks noGrp="1"/>
+          </p:cNvSpPr>
+          <p:nvPr>
+            <p:ph idx="1"/>
+          </p:nvPr>
+        </p:nvSpPr>
+        <p:spPr/>
+        <p:txBody>
+          <a:bodyPr/>
+          <a:lstStyle/>
+          <a:p>
+            <a:r>
+              <a:rPr lang="nl-NL" smtClean="0"/>
+              <a:t>Console.log</a:t>
+            </a:r>
+          </a:p>
+          <a:p>
+            <a:r>
+              <a:rPr lang="nl-NL" smtClean="0"/>
+              <a:t>console.log(‘debug message’);</a:t>
+            </a:r>
+          </a:p>
+          <a:p>
+            <a:r>
+              <a:rPr lang="nl-NL" smtClean="0"/>
+              <a:t>Also Objects, Arrays, etc.</a:t>
+            </a:r>
+          </a:p>
+          <a:p>
+            <a:r>
+              <a:rPr lang="nl-NL" smtClean="0"/>
+              <a:t>Debugging / developer tools available in all browsers (F12)</a:t>
+            </a:r>
+          </a:p>
+          <a:p>
+            <a:endParaRPr lang="nl-NL"/>
+          </a:p>
+        </p:txBody>
+      </p:sp>
+      <p:sp>
+        <p:nvSpPr>
+          <p:cNvPr id="4" name="Footer Placeholder 3"/>
+          <p:cNvSpPr>
+            <a:spLocks noGrp="1"/>
+          </p:cNvSpPr>
+          <p:nvPr>
+            <p:ph type="ftr" sz="quarter" idx="11"/>
+          </p:nvPr>
+        </p:nvSpPr>
+        <p:spPr/>
+        <p:txBody>
+          <a:bodyPr/>
+          <a:lstStyle/>
+          <a:p>
+            <a:r>
+              <a:rPr lang="nl-NL" smtClean="0"/>
+              <a:t>Demonstration, sprint 3</a:t>
+            </a:r>
+            <a:endParaRPr lang="nl-NL" dirty="0"/>
+          </a:p>
+        </p:txBody>
+      </p:sp>
+      <p:sp>
+        <p:nvSpPr>
+          <p:cNvPr id="5" name="Slide Number Placeholder 4"/>
+          <p:cNvSpPr>
+            <a:spLocks noGrp="1"/>
+          </p:cNvSpPr>
+          <p:nvPr>
+            <p:ph type="sldNum" sz="quarter" idx="12"/>
+          </p:nvPr>
+        </p:nvSpPr>
+        <p:spPr/>
+        <p:txBody>
+          <a:bodyPr/>
+          <a:lstStyle/>
+          <a:p>
+            <a:fld id="{14F1411D-0280-154F-AEAC-4C20B7AA46B2}" type="slidenum">
+              <a:rPr lang="nl-NL" smtClean="0"/>
+              <a:t>4</a:t>
+            </a:fld>
+            <a:endParaRPr lang="nl-NL"/>
+          </a:p>
+        </p:txBody>
+      </p:sp>
+      <p:pic>
+        <p:nvPicPr>
+          <p:cNvPr id="6" name="Picture 5"/>
+          <p:cNvPicPr>
+            <a:picLocks noChangeAspect="1"/>
+          </p:cNvPicPr>
+          <p:nvPr/>
+        </p:nvPicPr>
+        <p:blipFill>
+          <a:blip r:embed="rId3"/>
+          <a:stretch>
+            <a:fillRect/>
+          </a:stretch>
+        </p:blipFill>
+        <p:spPr>
+          <a:xfrm>
+            <a:off x="207072" y="2167103"/>
+            <a:ext cx="3498863" cy="981824"/>
+          </a:xfrm>
+          <a:prstGeom prst="rect">
+            <a:avLst/>
+          </a:prstGeom>
+        </p:spPr>
+      </p:pic>
+      <p:pic>
+        <p:nvPicPr>
+          <p:cNvPr id="7" name="Picture 6"/>
+          <p:cNvPicPr>
+            <a:picLocks noChangeAspect="1"/>
+          </p:cNvPicPr>
+          <p:nvPr/>
+        </p:nvPicPr>
+        <p:blipFill>
+          <a:blip r:embed="rId4"/>
+          <a:stretch>
+            <a:fillRect/>
+          </a:stretch>
+        </p:blipFill>
+        <p:spPr>
+          <a:xfrm>
+            <a:off x="2333590" y="3436927"/>
+            <a:ext cx="3164202" cy="915826"/>
+          </a:xfrm>
+          <a:prstGeom prst="rect">
+            <a:avLst/>
+          </a:prstGeom>
+        </p:spPr>
+      </p:pic>
+      <p:pic>
+        <p:nvPicPr>
+          <p:cNvPr id="8" name="Picture 7"/>
+          <p:cNvPicPr>
+            <a:picLocks noChangeAspect="1"/>
+          </p:cNvPicPr>
+          <p:nvPr/>
+        </p:nvPicPr>
+        <p:blipFill>
+          <a:blip r:embed="rId5"/>
+          <a:stretch>
+            <a:fillRect/>
+          </a:stretch>
+        </p:blipFill>
+        <p:spPr>
+          <a:xfrm>
+            <a:off x="4604981" y="2120741"/>
+            <a:ext cx="4204365" cy="1028186"/>
+          </a:xfrm>
+          <a:prstGeom prst="rect">
+            <a:avLst/>
+          </a:prstGeom>
+        </p:spPr>
+      </p:pic>
+    </p:spTree>
+    <p:extLst>
+      <p:ext uri="{BB962C8B-B14F-4D97-AF65-F5344CB8AC3E}">
+        <p14:creationId xmlns:p14="http://schemas.microsoft.com/office/powerpoint/2010/main" val="4247596912"/>
+      </p:ext>
+    </p:extLst>
+  </p:cSld>
+  <p:clrMapOvr>
+    <a:masterClrMapping/>
+  </p:clrMapOvr>
+</p:sld>
+</file>
+
+<file path=ppt/slides/slide5.xml><?xml version="1.0" encoding="utf-8"?>
+<p:sld xmlns:a="http://schemas.openxmlformats.org/drawingml/2006/main" xmlns:r="http://schemas.openxmlformats.org/officeDocument/2006/relationships" xmlns:p="http://schemas.openxmlformats.org/presentationml/2006/main">
+  <p:cSld>
+    <p:spTree>
+      <p:nvGrpSpPr>
+        <p:cNvPr id="1" name=""/>
+        <p:cNvGrpSpPr/>
+        <p:nvPr/>
+      </p:nvGrpSpPr>
+      <p:grpSpPr>
+        <a:xfrm>
+          <a:off x="0" y="0"/>
+          <a:ext cx="0" cy="0"/>
+          <a:chOff x="0" y="0"/>
+          <a:chExt cx="0" cy="0"/>
+        </a:xfrm>
+      </p:grpSpPr>
+      <p:sp>
+        <p:nvSpPr>
+          <p:cNvPr id="2" name="Title 1"/>
+          <p:cNvSpPr>
+            <a:spLocks noGrp="1"/>
+          </p:cNvSpPr>
+          <p:nvPr>
+            <p:ph type="title"/>
+          </p:nvPr>
+        </p:nvSpPr>
+        <p:spPr/>
+        <p:txBody>
+          <a:bodyPr/>
+          <a:lstStyle/>
+          <a:p>
+            <a:r>
+              <a:rPr lang="nl-NL" smtClean="0"/>
               <a:t>JET logging</a:t>
             </a:r>
             <a:endParaRPr lang="nl-NL"/>
@@ -6495,7 +6557,13 @@
               <a:rPr lang="nl-NL" altLang="nl-NL" sz="1200">
                 <a:latin typeface="Arial Unicode MS" panose="020B0604020202020204" pitchFamily="34" charset="-128"/>
               </a:rPr>
-              <a:t>oj.Logger.warn("Beware of </a:t>
+              <a:t>oj.Logger.warn("Beware </a:t>
+            </a:r>
+            <a:r>
+              <a:rPr lang="nl-NL" altLang="nl-NL" sz="1200">
+                <a:latin typeface="Arial Unicode MS" panose="020B0604020202020204" pitchFamily="34" charset="-128"/>
+              </a:rPr>
+              <a:t>of </a:t>
             </a:r>
             <a:r>
               <a:rPr lang="nl-NL" altLang="nl-NL" sz="1200" smtClean="0">
@@ -6507,7 +6575,13 @@
               <a:rPr lang="nl-NL" altLang="nl-NL" sz="1200">
                 <a:latin typeface="Arial Unicode MS" panose="020B0604020202020204" pitchFamily="34" charset="-128"/>
               </a:rPr>
-              <a:t>the above code"); </a:t>
+              <a:t>the above code</a:t>
+            </a:r>
+            <a:r>
+              <a:rPr lang="nl-NL" altLang="nl-NL" sz="1200">
+                <a:latin typeface="Arial Unicode MS" panose="020B0604020202020204" pitchFamily="34" charset="-128"/>
+              </a:rPr>
+              <a:t>"); </a:t>
             </a:r>
             <a:endParaRPr lang="nl-NL" altLang="nl-NL" sz="1200" smtClean="0">
               <a:latin typeface="Arial Unicode MS" panose="020B0604020202020204" pitchFamily="34" charset="-128"/>
@@ -6544,7 +6618,11 @@
             </a:r>
             <a:r>
               <a:rPr lang="nl-NL" sz="1400"/>
-              <a:t>("level", </a:t>
+              <a:t>("level</a:t>
+            </a:r>
+            <a:r>
+              <a:rPr lang="nl-NL" sz="1400"/>
+              <a:t>", </a:t>
             </a:r>
             <a:r>
               <a:rPr lang="nl-NL" sz="1400" smtClean="0"/>
@@ -6601,7 +6679,7 @@
           <a:p>
             <a:fld id="{14F1411D-0280-154F-AEAC-4C20B7AA46B2}" type="slidenum">
               <a:rPr lang="nl-NL" smtClean="0"/>
-              <a:t>4</a:t>
+              <a:t>5</a:t>
             </a:fld>
             <a:endParaRPr lang="nl-NL"/>
           </a:p>
